--- a/GCP Notes.pptx
+++ b/GCP Notes.pptx
@@ -5,7 +5,7 @@
     <p:sldMasterId id="2147483648" r:id="rId1"/>
   </p:sldMasterIdLst>
   <p:notesMasterIdLst>
-    <p:notesMasterId r:id="rId14"/>
+    <p:notesMasterId r:id="rId15"/>
   </p:notesMasterIdLst>
   <p:sldIdLst>
     <p:sldId id="256" r:id="rId2"/>
@@ -20,6 +20,7 @@
     <p:sldId id="265" r:id="rId11"/>
     <p:sldId id="266" r:id="rId12"/>
     <p:sldId id="267" r:id="rId13"/>
+    <p:sldId id="268" r:id="rId14"/>
   </p:sldIdLst>
   <p:sldSz cx="12192000" cy="6858000"/>
   <p:notesSz cx="6858000" cy="9144000"/>
@@ -4649,6 +4650,36 @@
     <p:extLst>
       <p:ext uri="{BB962C8B-B14F-4D97-AF65-F5344CB8AC3E}">
         <p14:creationId xmlns:p14="http://schemas.microsoft.com/office/powerpoint/2010/main" val="649714154"/>
+      </p:ext>
+    </p:extLst>
+  </p:cSld>
+  <p:clrMapOvr>
+    <a:masterClrMapping/>
+  </p:clrMapOvr>
+</p:sld>
+</file>
+
+<file path=ppt/slides/slide13.xml><?xml version="1.0" encoding="utf-8"?>
+<p:sld xmlns:a="http://schemas.openxmlformats.org/drawingml/2006/main" xmlns:r="http://schemas.openxmlformats.org/officeDocument/2006/relationships" xmlns:p="http://schemas.openxmlformats.org/presentationml/2006/main">
+  <p:cSld>
+    <p:spTree>
+      <p:nvGrpSpPr>
+        <p:cNvPr id="1" name=""/>
+        <p:cNvGrpSpPr/>
+        <p:nvPr/>
+      </p:nvGrpSpPr>
+      <p:grpSpPr>
+        <a:xfrm>
+          <a:off x="0" y="0"/>
+          <a:ext cx="0" cy="0"/>
+          <a:chOff x="0" y="0"/>
+          <a:chExt cx="0" cy="0"/>
+        </a:xfrm>
+      </p:grpSpPr>
+    </p:spTree>
+    <p:extLst>
+      <p:ext uri="{BB962C8B-B14F-4D97-AF65-F5344CB8AC3E}">
+        <p14:creationId xmlns:p14="http://schemas.microsoft.com/office/powerpoint/2010/main" val="1835646599"/>
       </p:ext>
     </p:extLst>
   </p:cSld>
